--- a/Group Project Presentation.pptx
+++ b/Group Project Presentation.pptx
@@ -6868,11 +6868,6 @@
               </a:rPr>
               <a:t>Agenda:</a:t>
             </a:r>
-            <a:endParaRPr lang="en-US" sz="14400" dirty="0" smtClean="0">
-              <a:solidFill>
-                <a:schemeClr val="tx1"/>
-              </a:solidFill>
-            </a:endParaRPr>
           </a:p>
           <a:p>
             <a:pPr marL="342900" indent="-342900">
@@ -6903,8 +6898,12 @@
               <a:buChar char="•"/>
             </a:pPr>
             <a:r>
-              <a:rPr lang="en-US" sz="8000" smtClean="0"/>
-              <a:t>Word map</a:t>
+              <a:rPr lang="en-US" sz="8000" dirty="0" smtClean="0"/>
+              <a:t>Word </a:t>
+            </a:r>
+            <a:r>
+              <a:rPr lang="en-US" sz="8000" dirty="0" smtClean="0"/>
+              <a:t>network</a:t>
             </a:r>
             <a:endParaRPr lang="en-US" sz="1200" dirty="0" smtClean="0"/>
           </a:p>
@@ -7404,7 +7403,6 @@
               <a:rPr lang="en-US" sz="1600" dirty="0"/>
               <a:t>Sentiment analysis could be used by Deere marketing to determine the feelings people have about John Deere and their products to help them tailor the focus of marketing strategies.</a:t>
             </a:r>
-            <a:endParaRPr lang="en-US" sz="1600" dirty="0"/>
           </a:p>
         </p:txBody>
       </p:sp>
@@ -7735,7 +7733,6 @@
               <a:rPr lang="en-US" sz="1600" dirty="0"/>
               <a:t>Deere could use this information to help them determine the best times of the day to advertise.</a:t>
             </a:r>
-            <a:endParaRPr lang="en-US" sz="1600" dirty="0"/>
           </a:p>
         </p:txBody>
       </p:sp>
@@ -7954,7 +7951,6 @@
               <a:rPr lang="en-US" sz="1600" dirty="0"/>
               <a:t>We wrote a function that takes a date range from the user to plot this data.  Users could use this function to see trends in the days of a week that people tweet about John Deere. </a:t>
             </a:r>
-            <a:endParaRPr lang="en-US" sz="1600" dirty="0"/>
           </a:p>
         </p:txBody>
       </p:sp>
@@ -9371,12 +9367,9 @@
 </file>
 
 <file path=customXml/item1.xml><?xml version="1.0" encoding="utf-8"?>
-<?mso-contentType ?>
-<FormTemplates xmlns="http://schemas.microsoft.com/sharepoint/v3/contenttype/forms">
-  <Display>DocumentLibraryForm</Display>
-  <Edit>DocumentLibraryForm</Edit>
-  <New>DocumentLibraryForm</New>
-</FormTemplates>
+<p:properties xmlns:p="http://schemas.microsoft.com/office/2006/metadata/properties" xmlns:xsi="http://www.w3.org/2001/XMLSchema-instance">
+  <documentManagement/>
+</p:properties>
 </file>
 
 <file path=customXml/item2.xml><?xml version="1.0" encoding="utf-8"?>
@@ -9494,15 +9487,25 @@
 </file>
 
 <file path=customXml/item3.xml><?xml version="1.0" encoding="utf-8"?>
-<p:properties xmlns:p="http://schemas.microsoft.com/office/2006/metadata/properties" xmlns:xsi="http://www.w3.org/2001/XMLSchema-instance">
-  <documentManagement/>
-</p:properties>
+<?mso-contentType ?>
+<FormTemplates xmlns="http://schemas.microsoft.com/sharepoint/v3/contenttype/forms">
+  <Display>DocumentLibraryForm</Display>
+  <Edit>DocumentLibraryForm</Edit>
+  <New>DocumentLibraryForm</New>
+</FormTemplates>
 </file>
 
 <file path=customXml/itemProps1.xml><?xml version="1.0" encoding="utf-8"?>
-<ds:datastoreItem xmlns:ds="http://schemas.openxmlformats.org/officeDocument/2006/customXml" ds:itemID="{A6A231C1-E3A4-4E15-A2D0-E487AAED92B7}">
+<ds:datastoreItem xmlns:ds="http://schemas.openxmlformats.org/officeDocument/2006/customXml" ds:itemID="{4132C450-0B0B-4211-86EF-593A982211A9}">
   <ds:schemaRefs>
-    <ds:schemaRef ds:uri="http://schemas.microsoft.com/sharepoint/v3/contenttype/forms"/>
+    <ds:schemaRef ds:uri="http://www.w3.org/XML/1998/namespace"/>
+    <ds:schemaRef ds:uri="http://schemas.microsoft.com/office/2006/documentManagement/types"/>
+    <ds:schemaRef ds:uri="http://schemas.microsoft.com/office/2006/metadata/properties"/>
+    <ds:schemaRef ds:uri="http://purl.org/dc/elements/1.1/"/>
+    <ds:schemaRef ds:uri="http://purl.org/dc/terms/"/>
+    <ds:schemaRef ds:uri="http://schemas.openxmlformats.org/package/2006/metadata/core-properties"/>
+    <ds:schemaRef ds:uri="http://purl.org/dc/dcmitype/"/>
+    <ds:schemaRef ds:uri="http://schemas.microsoft.com/office/infopath/2007/PartnerControls"/>
   </ds:schemaRefs>
 </ds:datastoreItem>
 </file>
@@ -9524,16 +9527,9 @@
 </file>
 
 <file path=customXml/itemProps3.xml><?xml version="1.0" encoding="utf-8"?>
-<ds:datastoreItem xmlns:ds="http://schemas.openxmlformats.org/officeDocument/2006/customXml" ds:itemID="{4132C450-0B0B-4211-86EF-593A982211A9}">
+<ds:datastoreItem xmlns:ds="http://schemas.openxmlformats.org/officeDocument/2006/customXml" ds:itemID="{A6A231C1-E3A4-4E15-A2D0-E487AAED92B7}">
   <ds:schemaRefs>
-    <ds:schemaRef ds:uri="http://www.w3.org/XML/1998/namespace"/>
-    <ds:schemaRef ds:uri="http://schemas.microsoft.com/office/2006/documentManagement/types"/>
-    <ds:schemaRef ds:uri="http://schemas.microsoft.com/office/2006/metadata/properties"/>
-    <ds:schemaRef ds:uri="http://purl.org/dc/elements/1.1/"/>
-    <ds:schemaRef ds:uri="http://purl.org/dc/terms/"/>
-    <ds:schemaRef ds:uri="http://schemas.openxmlformats.org/package/2006/metadata/core-properties"/>
-    <ds:schemaRef ds:uri="http://purl.org/dc/dcmitype/"/>
-    <ds:schemaRef ds:uri="http://schemas.microsoft.com/office/infopath/2007/PartnerControls"/>
+    <ds:schemaRef ds:uri="http://schemas.microsoft.com/sharepoint/v3/contenttype/forms"/>
   </ds:schemaRefs>
 </ds:datastoreItem>
 </file>